--- a/3-Machine Learning/documentos/Recap.pptx
+++ b/3-Machine Learning/documentos/Recap.pptx
@@ -11,8 +11,10 @@
     <p:sldId id="257" r:id="rId5"/>
     <p:sldId id="258" r:id="rId6"/>
     <p:sldId id="261" r:id="rId7"/>
-    <p:sldId id="262" r:id="rId8"/>
-    <p:sldId id="263" r:id="rId9"/>
+    <p:sldId id="264" r:id="rId8"/>
+    <p:sldId id="266" r:id="rId9"/>
+    <p:sldId id="263" r:id="rId10"/>
+    <p:sldId id="265" r:id="rId11"/>
   </p:sldIdLst>
   <p:sldSz cx="9144000" cy="5143500" type="screen16x9"/>
   <p:notesSz cx="6858000" cy="9144000"/>
@@ -2301,6 +2303,76 @@
 </p:sld>
 </file>
 
+<file path=ppt/slides/slide10.xml><?xml version="1.0" encoding="utf-8"?>
+<p:sld xmlns:a="http://schemas.openxmlformats.org/drawingml/2006/main" xmlns:r="http://schemas.openxmlformats.org/officeDocument/2006/relationships" xmlns:p="http://schemas.openxmlformats.org/presentationml/2006/main">
+  <p:cSld>
+    <p:spTree>
+      <p:nvGrpSpPr>
+        <p:cNvPr id="1" name=""/>
+        <p:cNvGrpSpPr/>
+        <p:nvPr/>
+      </p:nvGrpSpPr>
+      <p:grpSpPr>
+        <a:xfrm>
+          <a:off x="0" y="0"/>
+          <a:ext cx="0" cy="0"/>
+          <a:chOff x="0" y="0"/>
+          <a:chExt cx="0" cy="0"/>
+        </a:xfrm>
+      </p:grpSpPr>
+      <p:sp>
+        <p:nvSpPr>
+          <p:cNvPr id="2" name="CuadroTexto 1">
+            <a:extLst>
+              <a:ext uri="{FF2B5EF4-FFF2-40B4-BE49-F238E27FC236}">
+                <a16:creationId xmlns:a16="http://schemas.microsoft.com/office/drawing/2014/main" id="{C9190E9E-C331-4808-A167-46194B0C05F1}"/>
+              </a:ext>
+            </a:extLst>
+          </p:cNvPr>
+          <p:cNvSpPr txBox="1"/>
+          <p:nvPr/>
+        </p:nvSpPr>
+        <p:spPr>
+          <a:xfrm>
+            <a:off x="971967" y="2110085"/>
+            <a:ext cx="7200066" cy="923330"/>
+          </a:xfrm>
+          <a:prstGeom prst="rect">
+            <a:avLst/>
+          </a:prstGeom>
+          <a:noFill/>
+        </p:spPr>
+        <p:txBody>
+          <a:bodyPr wrap="square" rtlCol="0">
+            <a:spAutoFit/>
+          </a:bodyPr>
+          <a:lstStyle/>
+          <a:p>
+            <a:pPr algn="ctr"/>
+            <a:r>
+              <a:rPr lang="es-ES" sz="5400" dirty="0">
+                <a:solidFill>
+                  <a:schemeClr val="bg1"/>
+                </a:solidFill>
+              </a:rPr>
+              <a:t>DATA &amp; BUSINESS</a:t>
+            </a:r>
+          </a:p>
+        </p:txBody>
+      </p:sp>
+    </p:spTree>
+    <p:extLst>
+      <p:ext uri="{BB962C8B-B14F-4D97-AF65-F5344CB8AC3E}">
+        <p14:creationId xmlns:p14="http://schemas.microsoft.com/office/powerpoint/2010/main" val="4071678187"/>
+      </p:ext>
+    </p:extLst>
+  </p:cSld>
+  <p:clrMapOvr>
+    <a:masterClrMapping/>
+  </p:clrMapOvr>
+</p:sld>
+</file>
+
 <file path=ppt/slides/slide2.xml><?xml version="1.0" encoding="utf-8"?>
 <p:sld xmlns:a="http://schemas.openxmlformats.org/drawingml/2006/main" xmlns:r="http://schemas.openxmlformats.org/officeDocument/2006/relationships" xmlns:p="http://schemas.openxmlformats.org/presentationml/2006/main">
   <p:cSld>
@@ -3888,21 +3960,8 @@
                   <a:schemeClr val="bg1"/>
                 </a:solidFill>
               </a:rPr>
-              <a:t>Data </a:t>
-            </a:r>
-            <a:r>
-              <a:rPr lang="es-ES" sz="5400" dirty="0" err="1">
-                <a:solidFill>
-                  <a:schemeClr val="bg1"/>
-                </a:solidFill>
-              </a:rPr>
-              <a:t>Analysis</a:t>
-            </a:r>
-            <a:endParaRPr lang="es-ES" sz="5400" dirty="0">
-              <a:solidFill>
-                <a:schemeClr val="bg1"/>
-              </a:solidFill>
-            </a:endParaRPr>
+              <a:t>DATA ANALYSIS</a:t>
+            </a:r>
           </a:p>
         </p:txBody>
       </p:sp>
@@ -7160,8 +7219,8 @@
         </p:nvSpPr>
         <p:spPr>
           <a:xfrm>
-            <a:off x="1258134" y="2110085"/>
-            <a:ext cx="6627732" cy="923330"/>
+            <a:off x="971967" y="2110085"/>
+            <a:ext cx="7200066" cy="923330"/>
           </a:xfrm>
           <a:prstGeom prst="rect">
             <a:avLst/>
@@ -7181,21 +7240,8 @@
                   <a:schemeClr val="bg1"/>
                 </a:solidFill>
               </a:rPr>
-              <a:t>Machine </a:t>
-            </a:r>
-            <a:r>
-              <a:rPr lang="es-ES" sz="5400" dirty="0" err="1">
-                <a:solidFill>
-                  <a:schemeClr val="bg1"/>
-                </a:solidFill>
-              </a:rPr>
-              <a:t>Learning</a:t>
-            </a:r>
-            <a:endParaRPr lang="es-ES" sz="5400" dirty="0">
-              <a:solidFill>
-                <a:schemeClr val="bg1"/>
-              </a:solidFill>
-            </a:endParaRPr>
+              <a:t>MACHINE LEARNING</a:t>
+            </a:r>
           </a:p>
         </p:txBody>
       </p:sp>
@@ -7231,13 +7277,7 @@
       </p:grpSpPr>
       <p:sp>
         <p:nvSpPr>
-          <p:cNvPr id="4" name="CustomShape 1">
-            <a:extLst>
-              <a:ext uri="{FF2B5EF4-FFF2-40B4-BE49-F238E27FC236}">
-                <a16:creationId xmlns:a16="http://schemas.microsoft.com/office/drawing/2014/main" id="{ECB450C5-BB19-4ECF-970D-40B37C3C4A7C}"/>
-              </a:ext>
-            </a:extLst>
-          </p:cNvPr>
+          <p:cNvPr id="41" name="CustomShape 1"/>
           <p:cNvSpPr/>
           <p:nvPr/>
         </p:nvSpPr>
@@ -7528,6 +7568,395 @@
               </a:rPr>
               <a:t>outliers</a:t>
             </a:r>
+            <a:endParaRPr lang="es-ES" sz="1000" i="1" spc="-1" dirty="0">
+              <a:solidFill>
+                <a:srgbClr val="CCCCCC"/>
+              </a:solidFill>
+              <a:latin typeface="Arial"/>
+            </a:endParaRPr>
+          </a:p>
+          <a:p>
+            <a:pPr marL="457200" indent="-291600">
+              <a:lnSpc>
+                <a:spcPct val="100000"/>
+              </a:lnSpc>
+              <a:buClr>
+                <a:srgbClr val="CCCCCC"/>
+              </a:buClr>
+              <a:buFont typeface="Arial"/>
+              <a:buChar char="-"/>
+              <a:tabLst>
+                <a:tab pos="0" algn="l"/>
+              </a:tabLst>
+            </a:pPr>
+            <a:r>
+              <a:rPr lang="es-ES" sz="1000" b="0" i="1" strike="noStrike" spc="-1" dirty="0">
+                <a:solidFill>
+                  <a:srgbClr val="CCCCCC"/>
+                </a:solidFill>
+                <a:latin typeface="Arial"/>
+              </a:rPr>
+              <a:t>NLP</a:t>
+            </a:r>
+            <a:endParaRPr lang="es-ES" sz="1000" b="0" strike="noStrike" spc="-1" dirty="0">
+              <a:latin typeface="Arial"/>
+            </a:endParaRPr>
+          </a:p>
+          <a:p>
+            <a:pPr>
+              <a:lnSpc>
+                <a:spcPct val="100000"/>
+              </a:lnSpc>
+              <a:tabLst>
+                <a:tab pos="0" algn="l"/>
+              </a:tabLst>
+            </a:pPr>
+            <a:endParaRPr lang="es-ES" sz="1000" b="0" strike="noStrike" spc="-1" dirty="0">
+              <a:latin typeface="Arial"/>
+            </a:endParaRPr>
+          </a:p>
+          <a:p>
+            <a:pPr>
+              <a:lnSpc>
+                <a:spcPct val="100000"/>
+              </a:lnSpc>
+              <a:tabLst>
+                <a:tab pos="0" algn="l"/>
+              </a:tabLst>
+            </a:pPr>
+            <a:endParaRPr lang="es-ES" sz="1000" b="0" strike="noStrike" spc="-1" dirty="0">
+              <a:latin typeface="Arial"/>
+            </a:endParaRPr>
+          </a:p>
+          <a:p>
+            <a:pPr>
+              <a:lnSpc>
+                <a:spcPct val="100000"/>
+              </a:lnSpc>
+              <a:tabLst>
+                <a:tab pos="0" algn="l"/>
+              </a:tabLst>
+            </a:pPr>
+            <a:r>
+              <a:rPr lang="es" sz="1100" b="1" strike="noStrike" spc="-1" dirty="0">
+                <a:solidFill>
+                  <a:srgbClr val="FFFFFF"/>
+                </a:solidFill>
+                <a:latin typeface="Arial"/>
+                <a:ea typeface="Arial"/>
+              </a:rPr>
+              <a:t>Aprendizaje </a:t>
+            </a:r>
+            <a:r>
+              <a:rPr lang="es" sz="1100" b="1" spc="-1" dirty="0">
+                <a:solidFill>
+                  <a:srgbClr val="FFFFFF"/>
+                </a:solidFill>
+                <a:latin typeface="Arial"/>
+                <a:ea typeface="Arial"/>
+              </a:rPr>
+              <a:t>N</a:t>
+            </a:r>
+            <a:r>
+              <a:rPr lang="es" sz="1100" b="1" strike="noStrike" spc="-1" dirty="0">
+                <a:solidFill>
+                  <a:srgbClr val="FFFFFF"/>
+                </a:solidFill>
+                <a:latin typeface="Arial"/>
+                <a:ea typeface="Arial"/>
+              </a:rPr>
+              <a:t>o Supervisado</a:t>
+            </a:r>
+            <a:endParaRPr lang="es-ES" sz="1100" b="0" strike="noStrike" spc="-1" dirty="0">
+              <a:latin typeface="Arial"/>
+            </a:endParaRPr>
+          </a:p>
+          <a:p>
+            <a:pPr marL="457200" indent="-291600">
+              <a:lnSpc>
+                <a:spcPct val="100000"/>
+              </a:lnSpc>
+              <a:buClr>
+                <a:srgbClr val="CCCCCC"/>
+              </a:buClr>
+              <a:buFont typeface="Arial"/>
+              <a:buChar char="-"/>
+              <a:tabLst>
+                <a:tab pos="0" algn="l"/>
+              </a:tabLst>
+            </a:pPr>
+            <a:r>
+              <a:rPr lang="es" sz="1000" b="0" i="1" strike="noStrike" spc="-1" dirty="0">
+                <a:solidFill>
+                  <a:srgbClr val="CCCCCC"/>
+                </a:solidFill>
+                <a:latin typeface="Arial"/>
+                <a:ea typeface="Arial"/>
+              </a:rPr>
+              <a:t>KMeans</a:t>
+            </a:r>
+            <a:endParaRPr lang="es-ES" sz="1000" b="0" strike="noStrike" spc="-1" dirty="0">
+              <a:latin typeface="Arial"/>
+            </a:endParaRPr>
+          </a:p>
+          <a:p>
+            <a:pPr marL="457200" indent="-291600">
+              <a:lnSpc>
+                <a:spcPct val="100000"/>
+              </a:lnSpc>
+              <a:buClr>
+                <a:srgbClr val="CCCCCC"/>
+              </a:buClr>
+              <a:buFont typeface="Arial"/>
+              <a:buChar char="-"/>
+              <a:tabLst>
+                <a:tab pos="0" algn="l"/>
+              </a:tabLst>
+            </a:pPr>
+            <a:r>
+              <a:rPr lang="es" sz="1000" i="1" spc="-1" dirty="0">
+                <a:solidFill>
+                  <a:srgbClr val="CCCCCC"/>
+                </a:solidFill>
+                <a:latin typeface="Arial"/>
+              </a:rPr>
+              <a:t>PCA</a:t>
+            </a:r>
+            <a:endParaRPr lang="es-ES" sz="1000" b="0" strike="noStrike" spc="-1" dirty="0">
+              <a:latin typeface="Arial"/>
+            </a:endParaRPr>
+          </a:p>
+          <a:p>
+            <a:pPr marL="457200" indent="-291600">
+              <a:lnSpc>
+                <a:spcPct val="100000"/>
+              </a:lnSpc>
+              <a:buClr>
+                <a:srgbClr val="CCCCCC"/>
+              </a:buClr>
+              <a:buFont typeface="Arial"/>
+              <a:buChar char="-"/>
+              <a:tabLst>
+                <a:tab pos="0" algn="l"/>
+              </a:tabLst>
+            </a:pPr>
+            <a:r>
+              <a:rPr lang="es" sz="1000" i="1" spc="-1" dirty="0">
+                <a:solidFill>
+                  <a:srgbClr val="CCCCCC"/>
+                </a:solidFill>
+                <a:latin typeface="Arial"/>
+              </a:rPr>
+              <a:t>Feat. Selection</a:t>
+            </a:r>
+            <a:endParaRPr lang="es-ES" sz="1000" b="0" strike="noStrike" spc="-1" dirty="0">
+              <a:latin typeface="Arial"/>
+            </a:endParaRPr>
+          </a:p>
+          <a:p>
+            <a:pPr>
+              <a:lnSpc>
+                <a:spcPct val="100000"/>
+              </a:lnSpc>
+              <a:tabLst>
+                <a:tab pos="0" algn="l"/>
+              </a:tabLst>
+            </a:pPr>
+            <a:endParaRPr lang="es-ES" sz="1000" b="0" strike="noStrike" spc="-1" dirty="0">
+              <a:latin typeface="Arial"/>
+            </a:endParaRPr>
+          </a:p>
+          <a:p>
+            <a:pPr>
+              <a:lnSpc>
+                <a:spcPct val="100000"/>
+              </a:lnSpc>
+              <a:tabLst>
+                <a:tab pos="0" algn="l"/>
+              </a:tabLst>
+            </a:pPr>
+            <a:endParaRPr lang="es-ES" sz="1000" b="0" strike="noStrike" spc="-1" dirty="0">
+              <a:latin typeface="Arial"/>
+            </a:endParaRPr>
+          </a:p>
+          <a:p>
+            <a:pPr>
+              <a:lnSpc>
+                <a:spcPct val="100000"/>
+              </a:lnSpc>
+              <a:tabLst>
+                <a:tab pos="0" algn="l"/>
+              </a:tabLst>
+            </a:pPr>
+            <a:r>
+              <a:rPr lang="es-ES" sz="1100" b="1" strike="noStrike" spc="-1" dirty="0">
+                <a:solidFill>
+                  <a:srgbClr val="FFFFFF"/>
+                </a:solidFill>
+                <a:latin typeface="Arial"/>
+                <a:ea typeface="Arial"/>
+              </a:rPr>
+              <a:t>Time Series</a:t>
+            </a:r>
+            <a:endParaRPr lang="es-ES" sz="1100" b="0" strike="noStrike" spc="-1" dirty="0">
+              <a:latin typeface="Arial"/>
+            </a:endParaRPr>
+          </a:p>
+          <a:p>
+            <a:pPr marL="457200" indent="-291600">
+              <a:lnSpc>
+                <a:spcPct val="100000"/>
+              </a:lnSpc>
+              <a:buClr>
+                <a:srgbClr val="CCCCCC"/>
+              </a:buClr>
+              <a:buFont typeface="Arial"/>
+              <a:buChar char="-"/>
+              <a:tabLst>
+                <a:tab pos="0" algn="l"/>
+              </a:tabLst>
+            </a:pPr>
+            <a:r>
+              <a:rPr lang="es" sz="1000" i="1" spc="-1" dirty="0">
+                <a:solidFill>
+                  <a:srgbClr val="CCCCCC"/>
+                </a:solidFill>
+                <a:latin typeface="Arial"/>
+              </a:rPr>
+              <a:t>Propiedades y feat. engineering</a:t>
+            </a:r>
+            <a:endParaRPr lang="es-ES" sz="1000" b="0" strike="noStrike" spc="-1" dirty="0">
+              <a:latin typeface="Arial"/>
+            </a:endParaRPr>
+          </a:p>
+          <a:p>
+            <a:pPr marL="457200" indent="-291600">
+              <a:lnSpc>
+                <a:spcPct val="100000"/>
+              </a:lnSpc>
+              <a:buClr>
+                <a:srgbClr val="CCCCCC"/>
+              </a:buClr>
+              <a:buFont typeface="Arial"/>
+              <a:buChar char="-"/>
+              <a:tabLst>
+                <a:tab pos="0" algn="l"/>
+              </a:tabLst>
+            </a:pPr>
+            <a:r>
+              <a:rPr lang="es" sz="1000" i="1" spc="-1" dirty="0">
+                <a:solidFill>
+                  <a:srgbClr val="CCCCCC"/>
+                </a:solidFill>
+                <a:latin typeface="Arial"/>
+              </a:rPr>
+              <a:t>ARIMA y Auto_ARIMA</a:t>
+            </a:r>
+            <a:endParaRPr lang="es-ES" sz="1000" b="0" strike="noStrike" spc="-1" dirty="0">
+              <a:latin typeface="Arial"/>
+            </a:endParaRPr>
+          </a:p>
+          <a:p>
+            <a:pPr marL="457200" indent="-291600">
+              <a:lnSpc>
+                <a:spcPct val="100000"/>
+              </a:lnSpc>
+              <a:buClr>
+                <a:srgbClr val="CCCCCC"/>
+              </a:buClr>
+              <a:buFont typeface="Arial"/>
+              <a:buChar char="-"/>
+              <a:tabLst>
+                <a:tab pos="0" algn="l"/>
+              </a:tabLst>
+            </a:pPr>
+            <a:r>
+              <a:rPr lang="es-ES" sz="1000" b="0" i="1" strike="noStrike" spc="-1" dirty="0">
+                <a:solidFill>
+                  <a:srgbClr val="CCCCCC"/>
+                </a:solidFill>
+                <a:latin typeface="Arial"/>
+                <a:ea typeface="Arial"/>
+              </a:rPr>
+              <a:t>LSTM</a:t>
+            </a:r>
+            <a:endParaRPr lang="es-ES" sz="1000" i="1" spc="-1" dirty="0">
+              <a:solidFill>
+                <a:srgbClr val="CCCCCC"/>
+              </a:solidFill>
+              <a:latin typeface="Arial"/>
+              <a:ea typeface="Arial"/>
+            </a:endParaRPr>
+          </a:p>
+          <a:p>
+            <a:pPr marL="165600">
+              <a:lnSpc>
+                <a:spcPct val="100000"/>
+              </a:lnSpc>
+              <a:buClr>
+                <a:srgbClr val="CCCCCC"/>
+              </a:buClr>
+              <a:tabLst>
+                <a:tab pos="0" algn="l"/>
+              </a:tabLst>
+            </a:pPr>
+            <a:endParaRPr lang="es-ES" sz="1000" b="0" strike="noStrike" spc="-1" dirty="0">
+              <a:latin typeface="Arial"/>
+            </a:endParaRPr>
+          </a:p>
+          <a:p>
+            <a:pPr marL="165600">
+              <a:lnSpc>
+                <a:spcPct val="100000"/>
+              </a:lnSpc>
+              <a:buClr>
+                <a:srgbClr val="CCCCCC"/>
+              </a:buClr>
+              <a:tabLst>
+                <a:tab pos="0" algn="l"/>
+              </a:tabLst>
+            </a:pPr>
+            <a:endParaRPr lang="es-ES" sz="1000" b="0" strike="noStrike" spc="-1" dirty="0">
+              <a:latin typeface="Arial"/>
+            </a:endParaRPr>
+          </a:p>
+          <a:p>
+            <a:pPr>
+              <a:lnSpc>
+                <a:spcPct val="100000"/>
+              </a:lnSpc>
+              <a:tabLst>
+                <a:tab pos="0" algn="l"/>
+              </a:tabLst>
+            </a:pPr>
+            <a:r>
+              <a:rPr lang="es-ES" sz="1100" b="1" strike="noStrike" spc="-1" dirty="0">
+                <a:solidFill>
+                  <a:srgbClr val="FFFFFF"/>
+                </a:solidFill>
+                <a:latin typeface="Arial"/>
+                <a:ea typeface="Arial"/>
+              </a:rPr>
+              <a:t>NLP</a:t>
+            </a:r>
+            <a:endParaRPr lang="es-ES" sz="1100" b="0" strike="noStrike" spc="-1" dirty="0">
+              <a:latin typeface="Arial"/>
+            </a:endParaRPr>
+          </a:p>
+          <a:p>
+            <a:pPr marL="457200" indent="-291600">
+              <a:lnSpc>
+                <a:spcPct val="100000"/>
+              </a:lnSpc>
+              <a:buClr>
+                <a:srgbClr val="CCCCCC"/>
+              </a:buClr>
+              <a:buFont typeface="Arial"/>
+              <a:buChar char="-"/>
+              <a:tabLst>
+                <a:tab pos="0" algn="l"/>
+              </a:tabLst>
+            </a:pPr>
             <a:r>
               <a:rPr lang="es-ES" sz="1000" i="1" spc="-1" dirty="0">
                 <a:solidFill>
@@ -7535,47 +7964,98 @@
                 </a:solidFill>
                 <a:latin typeface="Arial"/>
               </a:rPr>
-              <a:t>, transformaciones</a:t>
-            </a:r>
-            <a:endParaRPr lang="es-ES" sz="1000" b="0" strike="noStrike" spc="-1" dirty="0">
-              <a:latin typeface="Arial"/>
-            </a:endParaRPr>
-          </a:p>
-          <a:p>
-            <a:pPr>
-              <a:lnSpc>
-                <a:spcPct val="100000"/>
-              </a:lnSpc>
-              <a:tabLst>
-                <a:tab pos="0" algn="l"/>
-              </a:tabLst>
-            </a:pPr>
-            <a:endParaRPr lang="es-ES" sz="1000" b="0" strike="noStrike" spc="-1" dirty="0">
-              <a:latin typeface="Arial"/>
-            </a:endParaRPr>
-          </a:p>
-          <a:p>
-            <a:pPr>
-              <a:lnSpc>
-                <a:spcPct val="100000"/>
-              </a:lnSpc>
-              <a:tabLst>
-                <a:tab pos="0" algn="l"/>
-              </a:tabLst>
-            </a:pPr>
-            <a:endParaRPr lang="es-ES" sz="1000" b="0" strike="noStrike" spc="-1" dirty="0">
-              <a:latin typeface="Arial"/>
-            </a:endParaRPr>
-          </a:p>
-          <a:p>
-            <a:pPr>
-              <a:lnSpc>
-                <a:spcPct val="100000"/>
-              </a:lnSpc>
-              <a:tabLst>
-                <a:tab pos="0" algn="l"/>
-              </a:tabLst>
-            </a:pPr>
+              <a:t>Bag </a:t>
+            </a:r>
+            <a:r>
+              <a:rPr lang="es-ES" sz="1000" i="1" spc="-1" dirty="0" err="1">
+                <a:solidFill>
+                  <a:srgbClr val="CCCCCC"/>
+                </a:solidFill>
+                <a:latin typeface="Arial"/>
+              </a:rPr>
+              <a:t>of</a:t>
+            </a:r>
+            <a:r>
+              <a:rPr lang="es-ES" sz="1000" i="1" spc="-1" dirty="0">
+                <a:solidFill>
+                  <a:srgbClr val="CCCCCC"/>
+                </a:solidFill>
+                <a:latin typeface="Arial"/>
+              </a:rPr>
+              <a:t> </a:t>
+            </a:r>
+            <a:r>
+              <a:rPr lang="es-ES" sz="1000" i="1" spc="-1" dirty="0" err="1">
+                <a:solidFill>
+                  <a:srgbClr val="CCCCCC"/>
+                </a:solidFill>
+                <a:latin typeface="Arial"/>
+              </a:rPr>
+              <a:t>words</a:t>
+            </a:r>
+            <a:r>
+              <a:rPr lang="es-ES" sz="1000" i="1" spc="-1" dirty="0">
+                <a:solidFill>
+                  <a:srgbClr val="CCCCCC"/>
+                </a:solidFill>
+                <a:latin typeface="Arial"/>
+              </a:rPr>
+              <a:t> y limpieza de texto</a:t>
+            </a:r>
+          </a:p>
+          <a:p>
+            <a:pPr marL="457200" indent="-291600">
+              <a:lnSpc>
+                <a:spcPct val="100000"/>
+              </a:lnSpc>
+              <a:buClr>
+                <a:srgbClr val="CCCCCC"/>
+              </a:buClr>
+              <a:buFont typeface="Arial"/>
+              <a:buChar char="-"/>
+              <a:tabLst>
+                <a:tab pos="0" algn="l"/>
+              </a:tabLst>
+            </a:pPr>
+            <a:r>
+              <a:rPr lang="es-ES" sz="1000" i="1" spc="-1" dirty="0">
+                <a:solidFill>
+                  <a:srgbClr val="CCCCCC"/>
+                </a:solidFill>
+                <a:latin typeface="Arial"/>
+              </a:rPr>
+              <a:t>Algoritmos de clasificación de texto</a:t>
+            </a:r>
+            <a:endParaRPr lang="es-ES" sz="1000" b="0" i="1" strike="noStrike" spc="-1" dirty="0">
+              <a:solidFill>
+                <a:srgbClr val="CCCCCC"/>
+              </a:solidFill>
+              <a:latin typeface="Arial"/>
+            </a:endParaRPr>
+          </a:p>
+          <a:p>
+            <a:pPr marL="457200" indent="-291600">
+              <a:lnSpc>
+                <a:spcPct val="100000"/>
+              </a:lnSpc>
+              <a:buClr>
+                <a:srgbClr val="CCCCCC"/>
+              </a:buClr>
+              <a:buFont typeface="Arial"/>
+              <a:buChar char="-"/>
+              <a:tabLst>
+                <a:tab pos="0" algn="l"/>
+              </a:tabLst>
+            </a:pPr>
+            <a:r>
+              <a:rPr lang="es-ES" sz="1000" i="1" spc="-1" dirty="0">
+                <a:solidFill>
+                  <a:srgbClr val="CCCCCC"/>
+                </a:solidFill>
+                <a:latin typeface="Arial"/>
+              </a:rPr>
+              <a:t>Embeddings con RRNN</a:t>
+            </a:r>
             <a:endParaRPr lang="es-ES" sz="1000" b="0" strike="noStrike" spc="-1" dirty="0">
               <a:latin typeface="Arial"/>
             </a:endParaRPr>
@@ -7584,13 +8064,7 @@
       </p:sp>
       <p:sp>
         <p:nvSpPr>
-          <p:cNvPr id="5" name="CustomShape 2">
-            <a:extLst>
-              <a:ext uri="{FF2B5EF4-FFF2-40B4-BE49-F238E27FC236}">
-                <a16:creationId xmlns:a16="http://schemas.microsoft.com/office/drawing/2014/main" id="{BC70BE8D-F7D9-49E3-ADA9-C3D254FCABB2}"/>
-              </a:ext>
-            </a:extLst>
-          </p:cNvPr>
+          <p:cNvPr id="42" name="CustomShape 2"/>
           <p:cNvSpPr/>
           <p:nvPr/>
         </p:nvSpPr>
@@ -7759,7 +8233,40 @@
                 </a:solidFill>
                 <a:latin typeface="Arial"/>
               </a:rPr>
-              <a:t>targets a partir de una serie de </a:t>
+              <a:t>targets a partir de una serie de variables, de manera automática.</a:t>
+            </a:r>
+          </a:p>
+          <a:p>
+            <a:pPr marL="457200" indent="-291600">
+              <a:lnSpc>
+                <a:spcPct val="100000"/>
+              </a:lnSpc>
+              <a:buClr>
+                <a:srgbClr val="CCCCCC"/>
+              </a:buClr>
+              <a:buFont typeface="Arial"/>
+              <a:buChar char="-"/>
+              <a:tabLst>
+                <a:tab pos="0" algn="l"/>
+              </a:tabLst>
+            </a:pPr>
+            <a:r>
+              <a:rPr lang="es-ES" sz="1000" b="0" i="1" strike="noStrike" spc="-1" dirty="0">
+                <a:solidFill>
+                  <a:srgbClr val="CCCCCC"/>
+                </a:solidFill>
+                <a:latin typeface="Arial"/>
+              </a:rPr>
+              <a:t>Automatización del entren</a:t>
+            </a:r>
+            <a:r>
+              <a:rPr lang="es-ES" sz="1000" i="1" spc="-1" dirty="0">
+                <a:solidFill>
+                  <a:srgbClr val="CCCCCC"/>
+                </a:solidFill>
+                <a:latin typeface="Arial"/>
+              </a:rPr>
+              <a:t>amiento de modelos mediante </a:t>
             </a:r>
             <a:r>
               <a:rPr lang="es-ES" sz="1000" i="1" spc="-1" dirty="0" err="1">
@@ -7768,6 +8275,156 @@
                 </a:solidFill>
                 <a:latin typeface="Arial"/>
               </a:rPr>
+              <a:t>GridSearch</a:t>
+            </a:r>
+            <a:r>
+              <a:rPr lang="es-ES" sz="1000" i="1" spc="-1" dirty="0">
+                <a:solidFill>
+                  <a:srgbClr val="CCCCCC"/>
+                </a:solidFill>
+                <a:latin typeface="Arial"/>
+              </a:rPr>
+              <a:t> y Pipelines</a:t>
+            </a:r>
+            <a:endParaRPr lang="es-ES" sz="1000" b="0" strike="noStrike" spc="-1" dirty="0">
+              <a:latin typeface="Arial"/>
+            </a:endParaRPr>
+          </a:p>
+          <a:p>
+            <a:pPr>
+              <a:lnSpc>
+                <a:spcPct val="100000"/>
+              </a:lnSpc>
+              <a:tabLst>
+                <a:tab pos="0" algn="l"/>
+              </a:tabLst>
+            </a:pPr>
+            <a:endParaRPr lang="es-ES" sz="1000" b="0" strike="noStrike" spc="-1" dirty="0">
+              <a:latin typeface="Arial"/>
+            </a:endParaRPr>
+          </a:p>
+          <a:p>
+            <a:pPr>
+              <a:lnSpc>
+                <a:spcPct val="100000"/>
+              </a:lnSpc>
+              <a:tabLst>
+                <a:tab pos="0" algn="l"/>
+              </a:tabLst>
+            </a:pPr>
+            <a:endParaRPr lang="es-ES" sz="1000" b="0" strike="noStrike" spc="-1" dirty="0">
+              <a:latin typeface="Arial"/>
+            </a:endParaRPr>
+          </a:p>
+          <a:p>
+            <a:pPr>
+              <a:tabLst>
+                <a:tab pos="0" algn="l"/>
+              </a:tabLst>
+            </a:pPr>
+            <a:r>
+              <a:rPr lang="es" sz="1100" b="1" strike="noStrike" spc="-1" dirty="0">
+                <a:solidFill>
+                  <a:srgbClr val="FFFFFF"/>
+                </a:solidFill>
+                <a:latin typeface="Arial"/>
+                <a:ea typeface="Arial"/>
+              </a:rPr>
+              <a:t>Aprendizaje No </a:t>
+            </a:r>
+            <a:r>
+              <a:rPr lang="es" sz="1100" b="1" spc="-1" dirty="0">
+                <a:solidFill>
+                  <a:srgbClr val="FFFFFF"/>
+                </a:solidFill>
+                <a:latin typeface="Arial"/>
+                <a:ea typeface="Arial"/>
+              </a:rPr>
+              <a:t>S</a:t>
+            </a:r>
+            <a:r>
+              <a:rPr lang="es" sz="1100" b="1" strike="noStrike" spc="-1" dirty="0">
+                <a:solidFill>
+                  <a:srgbClr val="FFFFFF"/>
+                </a:solidFill>
+                <a:latin typeface="Arial"/>
+                <a:ea typeface="Arial"/>
+              </a:rPr>
+              <a:t>upervisado</a:t>
+            </a:r>
+            <a:endParaRPr lang="es-ES" sz="1100" b="0" strike="noStrike" spc="-1" dirty="0">
+              <a:latin typeface="Arial"/>
+            </a:endParaRPr>
+          </a:p>
+          <a:p>
+            <a:pPr marL="457200" indent="-291600">
+              <a:lnSpc>
+                <a:spcPct val="100000"/>
+              </a:lnSpc>
+              <a:buClr>
+                <a:srgbClr val="CCCCCC"/>
+              </a:buClr>
+              <a:buFont typeface="Arial"/>
+              <a:buChar char="-"/>
+              <a:tabLst>
+                <a:tab pos="0" algn="l"/>
+              </a:tabLst>
+            </a:pPr>
+            <a:r>
+              <a:rPr lang="es-ES" sz="1000" b="0" i="1" strike="noStrike" spc="-1" dirty="0">
+                <a:solidFill>
+                  <a:srgbClr val="CCCCCC"/>
+                </a:solidFill>
+                <a:latin typeface="Arial"/>
+              </a:rPr>
+              <a:t>Segmentación de los datos automáticamente mediante un algoritmo de </a:t>
+            </a:r>
+            <a:r>
+              <a:rPr lang="es-ES" sz="1000" b="0" i="1" strike="noStrike" spc="-1" dirty="0" err="1">
+                <a:solidFill>
+                  <a:srgbClr val="CCCCCC"/>
+                </a:solidFill>
+                <a:latin typeface="Arial"/>
+              </a:rPr>
+              <a:t>clustering</a:t>
+            </a:r>
+            <a:endParaRPr lang="es-ES" sz="1000" b="0" i="1" strike="noStrike" spc="-1" dirty="0">
+              <a:solidFill>
+                <a:srgbClr val="CCCCCC"/>
+              </a:solidFill>
+              <a:latin typeface="Arial"/>
+            </a:endParaRPr>
+          </a:p>
+          <a:p>
+            <a:pPr marL="457200" indent="-291600">
+              <a:lnSpc>
+                <a:spcPct val="100000"/>
+              </a:lnSpc>
+              <a:buClr>
+                <a:srgbClr val="CCCCCC"/>
+              </a:buClr>
+              <a:buFont typeface="Arial"/>
+              <a:buChar char="-"/>
+              <a:tabLst>
+                <a:tab pos="0" algn="l"/>
+              </a:tabLst>
+            </a:pPr>
+            <a:r>
+              <a:rPr lang="es-ES" sz="1000" i="1" spc="-1" dirty="0">
+                <a:solidFill>
+                  <a:srgbClr val="CCCCCC"/>
+                </a:solidFill>
+                <a:latin typeface="Arial"/>
+              </a:rPr>
+              <a:t>Técnicas de selección de variables, útiles para </a:t>
+            </a:r>
+            <a:r>
+              <a:rPr lang="es-ES" sz="1000" i="1" spc="-1" dirty="0" err="1">
+                <a:solidFill>
+                  <a:srgbClr val="CCCCCC"/>
+                </a:solidFill>
+                <a:latin typeface="Arial"/>
+              </a:rPr>
               <a:t>datasets</a:t>
             </a:r>
             <a:r>
@@ -7777,8 +8434,60 @@
                 </a:solidFill>
                 <a:latin typeface="Arial"/>
               </a:rPr>
-              <a:t>, de manera automática. Razonamiento del output del modelo.</a:t>
-            </a:r>
+              <a:t> muy grandes</a:t>
+            </a:r>
+            <a:endParaRPr lang="es-ES" sz="1000" b="0" strike="noStrike" spc="-1" dirty="0">
+              <a:latin typeface="Arial"/>
+            </a:endParaRPr>
+          </a:p>
+          <a:p>
+            <a:pPr>
+              <a:lnSpc>
+                <a:spcPct val="100000"/>
+              </a:lnSpc>
+              <a:tabLst>
+                <a:tab pos="0" algn="l"/>
+              </a:tabLst>
+            </a:pPr>
+            <a:endParaRPr lang="es-ES" sz="1000" b="0" strike="noStrike" spc="-1" dirty="0">
+              <a:latin typeface="Arial"/>
+            </a:endParaRPr>
+          </a:p>
+          <a:p>
+            <a:pPr>
+              <a:lnSpc>
+                <a:spcPct val="100000"/>
+              </a:lnSpc>
+              <a:tabLst>
+                <a:tab pos="0" algn="l"/>
+              </a:tabLst>
+            </a:pPr>
+            <a:endParaRPr lang="es-ES" sz="1000" b="0" strike="noStrike" spc="-1" dirty="0">
+              <a:latin typeface="Arial"/>
+            </a:endParaRPr>
+          </a:p>
+          <a:p>
+            <a:pPr>
+              <a:lnSpc>
+                <a:spcPct val="100000"/>
+              </a:lnSpc>
+              <a:tabLst>
+                <a:tab pos="0" algn="l"/>
+              </a:tabLst>
+            </a:pPr>
+            <a:r>
+              <a:rPr lang="es-ES" sz="1100" b="1" strike="noStrike" spc="-1" dirty="0">
+                <a:solidFill>
+                  <a:srgbClr val="FFFFFF"/>
+                </a:solidFill>
+                <a:latin typeface="Arial"/>
+                <a:ea typeface="Arial"/>
+              </a:rPr>
+              <a:t>Time Series</a:t>
+            </a:r>
+            <a:endParaRPr lang="es-ES" sz="1100" b="0" strike="noStrike" spc="-1" dirty="0">
+              <a:latin typeface="Arial"/>
+            </a:endParaRPr>
           </a:p>
           <a:p>
             <a:pPr marL="457200" indent="-291600">
@@ -7800,35 +8509,59 @@
                   <a:srgbClr val="CCCCCC"/>
                 </a:solidFill>
                 <a:latin typeface="Arial"/>
-              </a:rPr>
-              <a:t>Automatización del entren</a:t>
-            </a:r>
+                <a:ea typeface="Arial"/>
+              </a:rPr>
+              <a:t>Trabajar con datos temporales</a:t>
+            </a:r>
+          </a:p>
+          <a:p>
+            <a:pPr marL="457200" indent="-291600">
+              <a:lnSpc>
+                <a:spcPct val="100000"/>
+              </a:lnSpc>
+              <a:buClr>
+                <a:srgbClr val="CCCCCC"/>
+              </a:buClr>
+              <a:buFont typeface="Arial"/>
+              <a:buChar char="-"/>
+              <a:tabLst>
+                <a:tab pos="0" algn="l"/>
+              </a:tabLst>
+            </a:pPr>
             <a:r>
               <a:rPr lang="es-ES" sz="1000" i="1" spc="-1" dirty="0">
                 <a:solidFill>
                   <a:srgbClr val="CCCCCC"/>
                 </a:solidFill>
                 <a:latin typeface="Arial"/>
-              </a:rPr>
-              <a:t>amiento de modelos mediante </a:t>
-            </a:r>
-            <a:r>
-              <a:rPr lang="es-ES" sz="1000" i="1" spc="-1" dirty="0" err="1">
-                <a:solidFill>
-                  <a:srgbClr val="CCCCCC"/>
-                </a:solidFill>
-                <a:latin typeface="Arial"/>
-              </a:rPr>
-              <a:t>GridSearch</a:t>
-            </a:r>
-            <a:r>
-              <a:rPr lang="es-ES" sz="1000" i="1" spc="-1" dirty="0">
-                <a:solidFill>
-                  <a:srgbClr val="CCCCCC"/>
-                </a:solidFill>
-                <a:latin typeface="Arial"/>
-              </a:rPr>
-              <a:t> y Pipelines</a:t>
+                <a:ea typeface="Arial"/>
+              </a:rPr>
+              <a:t>Análisis de la estacionalidad, estacionariedad, tendencia y ruido de un TS</a:t>
+            </a:r>
+          </a:p>
+          <a:p>
+            <a:pPr marL="457200" indent="-291600">
+              <a:lnSpc>
+                <a:spcPct val="100000"/>
+              </a:lnSpc>
+              <a:buClr>
+                <a:srgbClr val="CCCCCC"/>
+              </a:buClr>
+              <a:buFont typeface="Arial"/>
+              <a:buChar char="-"/>
+              <a:tabLst>
+                <a:tab pos="0" algn="l"/>
+              </a:tabLst>
+            </a:pPr>
+            <a:r>
+              <a:rPr lang="es-ES" sz="1000" b="0" i="1" strike="noStrike" spc="-1" dirty="0">
+                <a:solidFill>
+                  <a:srgbClr val="CCCCCC"/>
+                </a:solidFill>
+                <a:latin typeface="Arial"/>
+                <a:ea typeface="Arial"/>
+              </a:rPr>
+              <a:t>Predicciones y proyecciones de TS</a:t>
             </a:r>
             <a:endParaRPr lang="es-ES" sz="1000" b="0" strike="noStrike" spc="-1" dirty="0">
               <a:latin typeface="Arial"/>
@@ -7856,19 +8589,71 @@
                 <a:tab pos="0" algn="l"/>
               </a:tabLst>
             </a:pPr>
-            <a:endParaRPr lang="es-ES" sz="1000" b="0" strike="noStrike" spc="-1" dirty="0">
-              <a:latin typeface="Arial"/>
-            </a:endParaRPr>
-          </a:p>
-          <a:p>
-            <a:pPr>
-              <a:lnSpc>
-                <a:spcPct val="100000"/>
-              </a:lnSpc>
-              <a:tabLst>
-                <a:tab pos="0" algn="l"/>
-              </a:tabLst>
-            </a:pPr>
+            <a:r>
+              <a:rPr lang="es-ES" sz="1100" b="1" spc="-1" dirty="0">
+                <a:solidFill>
+                  <a:srgbClr val="FFFFFF"/>
+                </a:solidFill>
+                <a:latin typeface="Arial"/>
+                <a:ea typeface="Arial"/>
+              </a:rPr>
+              <a:t>NLP</a:t>
+            </a:r>
+            <a:endParaRPr lang="es-ES" sz="1100" b="1" strike="noStrike" spc="-1" dirty="0">
+              <a:solidFill>
+                <a:srgbClr val="FFFFFF"/>
+              </a:solidFill>
+              <a:latin typeface="Arial"/>
+              <a:ea typeface="Arial"/>
+            </a:endParaRPr>
+          </a:p>
+          <a:p>
+            <a:pPr marL="457200" indent="-291600">
+              <a:lnSpc>
+                <a:spcPct val="100000"/>
+              </a:lnSpc>
+              <a:buClr>
+                <a:srgbClr val="CCCCCC"/>
+              </a:buClr>
+              <a:buFont typeface="Arial"/>
+              <a:buChar char="-"/>
+              <a:tabLst>
+                <a:tab pos="0" algn="l"/>
+              </a:tabLst>
+            </a:pPr>
+            <a:r>
+              <a:rPr lang="es" sz="1000" i="1" spc="-1" dirty="0">
+                <a:solidFill>
+                  <a:srgbClr val="CCCCCC"/>
+                </a:solidFill>
+                <a:latin typeface="Arial"/>
+              </a:rPr>
+              <a:t>Transformación y limpieza del texto, previo a modelo de Machine Learning</a:t>
+            </a:r>
+          </a:p>
+          <a:p>
+            <a:pPr marL="457200" indent="-291600">
+              <a:lnSpc>
+                <a:spcPct val="100000"/>
+              </a:lnSpc>
+              <a:buClr>
+                <a:srgbClr val="CCCCCC"/>
+              </a:buClr>
+              <a:buFont typeface="Arial"/>
+              <a:buChar char="-"/>
+              <a:tabLst>
+                <a:tab pos="0" algn="l"/>
+              </a:tabLst>
+            </a:pPr>
+            <a:r>
+              <a:rPr lang="es" sz="1000" b="0" i="1" strike="noStrike" spc="-1" dirty="0">
+                <a:solidFill>
+                  <a:srgbClr val="CCCCCC"/>
+                </a:solidFill>
+                <a:latin typeface="Arial"/>
+              </a:rPr>
+              <a:t>Clasificadores de texto mediante algoritmos clasicos supervisados y RRNN.</a:t>
+            </a:r>
             <a:endParaRPr lang="es-ES" sz="1000" b="0" strike="noStrike" spc="-1" dirty="0">
               <a:latin typeface="Arial"/>
             </a:endParaRPr>
@@ -7878,7 +8663,7 @@
     </p:spTree>
     <p:extLst>
       <p:ext uri="{BB962C8B-B14F-4D97-AF65-F5344CB8AC3E}">
-        <p14:creationId xmlns:p14="http://schemas.microsoft.com/office/powerpoint/2010/main" val="1746031206"/>
+        <p14:creationId xmlns:p14="http://schemas.microsoft.com/office/powerpoint/2010/main" val="545491660"/>
       </p:ext>
     </p:extLst>
   </p:cSld>
@@ -7889,6 +8674,769 @@
 </file>
 
 <file path=ppt/slides/slide8.xml><?xml version="1.0" encoding="utf-8"?>
+<p:sld xmlns:a="http://schemas.openxmlformats.org/drawingml/2006/main" xmlns:r="http://schemas.openxmlformats.org/officeDocument/2006/relationships" xmlns:p="http://schemas.openxmlformats.org/presentationml/2006/main">
+  <p:cSld>
+    <p:spTree>
+      <p:nvGrpSpPr>
+        <p:cNvPr id="1" name=""/>
+        <p:cNvGrpSpPr/>
+        <p:nvPr/>
+      </p:nvGrpSpPr>
+      <p:grpSpPr>
+        <a:xfrm>
+          <a:off x="0" y="0"/>
+          <a:ext cx="0" cy="0"/>
+          <a:chOff x="0" y="0"/>
+          <a:chExt cx="0" cy="0"/>
+        </a:xfrm>
+      </p:grpSpPr>
+      <p:sp>
+        <p:nvSpPr>
+          <p:cNvPr id="41" name="CustomShape 1"/>
+          <p:cNvSpPr/>
+          <p:nvPr/>
+        </p:nvSpPr>
+        <p:spPr>
+          <a:xfrm>
+            <a:off x="717840" y="340560"/>
+            <a:ext cx="3633120" cy="4574340"/>
+          </a:xfrm>
+          <a:prstGeom prst="rect">
+            <a:avLst/>
+          </a:prstGeom>
+          <a:noFill/>
+          <a:ln w="0">
+            <a:noFill/>
+          </a:ln>
+        </p:spPr>
+        <p:style>
+          <a:lnRef idx="0">
+            <a:scrgbClr r="0" g="0" b="0"/>
+          </a:lnRef>
+          <a:fillRef idx="0">
+            <a:scrgbClr r="0" g="0" b="0"/>
+          </a:fillRef>
+          <a:effectRef idx="0">
+            <a:scrgbClr r="0" g="0" b="0"/>
+          </a:effectRef>
+          <a:fontRef idx="minor"/>
+        </p:style>
+        <p:txBody>
+          <a:bodyPr tIns="91440" bIns="91440">
+            <a:noAutofit/>
+          </a:bodyPr>
+          <a:lstStyle/>
+          <a:p>
+            <a:pPr>
+              <a:lnSpc>
+                <a:spcPct val="100000"/>
+              </a:lnSpc>
+              <a:tabLst>
+                <a:tab pos="0" algn="l"/>
+              </a:tabLst>
+            </a:pPr>
+            <a:r>
+              <a:rPr lang="es" sz="1500" b="0" u="sng" strike="noStrike" spc="-1" dirty="0">
+                <a:solidFill>
+                  <a:srgbClr val="FFFFFF"/>
+                </a:solidFill>
+                <a:uFillTx/>
+                <a:latin typeface="Arial"/>
+                <a:ea typeface="Arial"/>
+              </a:rPr>
+              <a:t>¿Qué hemos visto?</a:t>
+            </a:r>
+            <a:endParaRPr lang="es-ES" sz="1500" b="0" strike="noStrike" spc="-1" dirty="0">
+              <a:latin typeface="Arial"/>
+            </a:endParaRPr>
+          </a:p>
+          <a:p>
+            <a:pPr marL="165600">
+              <a:lnSpc>
+                <a:spcPct val="100000"/>
+              </a:lnSpc>
+              <a:buClr>
+                <a:srgbClr val="CCCCCC"/>
+              </a:buClr>
+              <a:tabLst>
+                <a:tab pos="0" algn="l"/>
+              </a:tabLst>
+            </a:pPr>
+            <a:endParaRPr lang="es-ES" sz="1000" b="0" strike="noStrike" spc="-1" dirty="0">
+              <a:latin typeface="Arial"/>
+            </a:endParaRPr>
+          </a:p>
+          <a:p>
+            <a:pPr>
+              <a:lnSpc>
+                <a:spcPct val="100000"/>
+              </a:lnSpc>
+              <a:tabLst>
+                <a:tab pos="0" algn="l"/>
+              </a:tabLst>
+            </a:pPr>
+            <a:r>
+              <a:rPr lang="es-ES" sz="1100" b="1" strike="noStrike" spc="-1" dirty="0">
+                <a:solidFill>
+                  <a:srgbClr val="FFFFFF"/>
+                </a:solidFill>
+                <a:latin typeface="Arial"/>
+                <a:ea typeface="Arial"/>
+              </a:rPr>
+              <a:t>Deep </a:t>
+            </a:r>
+            <a:r>
+              <a:rPr lang="es-ES" sz="1100" b="1" strike="noStrike" spc="-1" dirty="0" err="1">
+                <a:solidFill>
+                  <a:srgbClr val="FFFFFF"/>
+                </a:solidFill>
+                <a:latin typeface="Arial"/>
+                <a:ea typeface="Arial"/>
+              </a:rPr>
+              <a:t>Learning</a:t>
+            </a:r>
+            <a:endParaRPr lang="es-ES" sz="1100" b="0" strike="noStrike" spc="-1" dirty="0">
+              <a:latin typeface="Arial"/>
+            </a:endParaRPr>
+          </a:p>
+          <a:p>
+            <a:pPr marL="457200" indent="-291600">
+              <a:lnSpc>
+                <a:spcPct val="100000"/>
+              </a:lnSpc>
+              <a:buClr>
+                <a:srgbClr val="CCCCCC"/>
+              </a:buClr>
+              <a:buFont typeface="Arial"/>
+              <a:buChar char="-"/>
+              <a:tabLst>
+                <a:tab pos="0" algn="l"/>
+              </a:tabLst>
+            </a:pPr>
+            <a:r>
+              <a:rPr lang="es-ES" sz="1000" i="1" spc="-1" dirty="0">
+                <a:solidFill>
+                  <a:srgbClr val="CCCCCC"/>
+                </a:solidFill>
+                <a:latin typeface="Arial"/>
+              </a:rPr>
+              <a:t>RRNN para clasificación y regresión</a:t>
+            </a:r>
+          </a:p>
+          <a:p>
+            <a:pPr marL="457200" indent="-291600">
+              <a:lnSpc>
+                <a:spcPct val="100000"/>
+              </a:lnSpc>
+              <a:buClr>
+                <a:srgbClr val="CCCCCC"/>
+              </a:buClr>
+              <a:buFont typeface="Arial"/>
+              <a:buChar char="-"/>
+              <a:tabLst>
+                <a:tab pos="0" algn="l"/>
+              </a:tabLst>
+            </a:pPr>
+            <a:r>
+              <a:rPr lang="es-ES" sz="1000" b="0" i="1" strike="noStrike" spc="-1" dirty="0">
+                <a:solidFill>
+                  <a:srgbClr val="CCCCCC"/>
+                </a:solidFill>
+                <a:latin typeface="Arial"/>
+              </a:rPr>
+              <a:t>RRNN convolucionales</a:t>
+            </a:r>
+          </a:p>
+          <a:p>
+            <a:pPr marL="457200" indent="-291600">
+              <a:lnSpc>
+                <a:spcPct val="100000"/>
+              </a:lnSpc>
+              <a:buClr>
+                <a:srgbClr val="CCCCCC"/>
+              </a:buClr>
+              <a:buFont typeface="Arial"/>
+              <a:buChar char="-"/>
+              <a:tabLst>
+                <a:tab pos="0" algn="l"/>
+              </a:tabLst>
+            </a:pPr>
+            <a:r>
+              <a:rPr lang="es-ES" sz="1000" i="1" spc="-1" dirty="0">
+                <a:solidFill>
+                  <a:srgbClr val="CCCCCC"/>
+                </a:solidFill>
+                <a:latin typeface="Arial"/>
+              </a:rPr>
+              <a:t>Transfer-</a:t>
+            </a:r>
+            <a:r>
+              <a:rPr lang="es-ES" sz="1000" i="1" spc="-1" dirty="0" err="1">
+                <a:solidFill>
+                  <a:srgbClr val="CCCCCC"/>
+                </a:solidFill>
+                <a:latin typeface="Arial"/>
+              </a:rPr>
+              <a:t>Learning</a:t>
+            </a:r>
+            <a:endParaRPr lang="es-ES" sz="1000" i="1" spc="-1" dirty="0">
+              <a:solidFill>
+                <a:srgbClr val="CCCCCC"/>
+              </a:solidFill>
+              <a:latin typeface="Arial"/>
+            </a:endParaRPr>
+          </a:p>
+          <a:p>
+            <a:pPr marL="457200" indent="-291600">
+              <a:lnSpc>
+                <a:spcPct val="100000"/>
+              </a:lnSpc>
+              <a:buClr>
+                <a:srgbClr val="CCCCCC"/>
+              </a:buClr>
+              <a:buFont typeface="Arial"/>
+              <a:buChar char="-"/>
+              <a:tabLst>
+                <a:tab pos="0" algn="l"/>
+              </a:tabLst>
+            </a:pPr>
+            <a:endParaRPr lang="es-ES" sz="1000" b="0" i="1" strike="noStrike" spc="-1" dirty="0">
+              <a:solidFill>
+                <a:srgbClr val="CCCCCC"/>
+              </a:solidFill>
+              <a:latin typeface="Arial"/>
+            </a:endParaRPr>
+          </a:p>
+          <a:p>
+            <a:pPr marL="457200" indent="-291600">
+              <a:lnSpc>
+                <a:spcPct val="100000"/>
+              </a:lnSpc>
+              <a:buClr>
+                <a:srgbClr val="CCCCCC"/>
+              </a:buClr>
+              <a:buFont typeface="Arial"/>
+              <a:buChar char="-"/>
+              <a:tabLst>
+                <a:tab pos="0" algn="l"/>
+              </a:tabLst>
+            </a:pPr>
+            <a:endParaRPr lang="es-ES" sz="1000" i="1" spc="-1" dirty="0">
+              <a:solidFill>
+                <a:srgbClr val="CCCCCC"/>
+              </a:solidFill>
+              <a:latin typeface="Arial"/>
+            </a:endParaRPr>
+          </a:p>
+          <a:p>
+            <a:pPr>
+              <a:lnSpc>
+                <a:spcPct val="100000"/>
+              </a:lnSpc>
+              <a:tabLst>
+                <a:tab pos="0" algn="l"/>
+              </a:tabLst>
+            </a:pPr>
+            <a:r>
+              <a:rPr lang="es-ES" sz="1100" b="1" spc="-1" dirty="0">
+                <a:solidFill>
+                  <a:srgbClr val="FFFFFF"/>
+                </a:solidFill>
+                <a:latin typeface="Arial"/>
+              </a:rPr>
+              <a:t>Otros</a:t>
+            </a:r>
+            <a:endParaRPr lang="es-ES" sz="1100" b="0" strike="noStrike" spc="-1" dirty="0">
+              <a:latin typeface="Arial"/>
+            </a:endParaRPr>
+          </a:p>
+          <a:p>
+            <a:pPr marL="457200" indent="-291600">
+              <a:lnSpc>
+                <a:spcPct val="100000"/>
+              </a:lnSpc>
+              <a:buClr>
+                <a:srgbClr val="CCCCCC"/>
+              </a:buClr>
+              <a:buFont typeface="Arial"/>
+              <a:buChar char="-"/>
+              <a:tabLst>
+                <a:tab pos="0" algn="l"/>
+              </a:tabLst>
+            </a:pPr>
+            <a:r>
+              <a:rPr lang="es-ES" sz="1000" i="1" spc="-1" dirty="0">
+                <a:solidFill>
+                  <a:srgbClr val="CCCCCC"/>
+                </a:solidFill>
+                <a:latin typeface="Arial"/>
+              </a:rPr>
+              <a:t>Proyectos: Cómo es un proyecto </a:t>
+            </a:r>
+            <a:r>
+              <a:rPr lang="es-ES" sz="1000" i="1" spc="-1" dirty="0" err="1">
+                <a:solidFill>
+                  <a:srgbClr val="CCCCCC"/>
+                </a:solidFill>
+                <a:latin typeface="Arial"/>
+              </a:rPr>
+              <a:t>End</a:t>
+            </a:r>
+            <a:r>
+              <a:rPr lang="es-ES" sz="1000" i="1" spc="-1" dirty="0">
+                <a:solidFill>
+                  <a:srgbClr val="CCCCCC"/>
+                </a:solidFill>
+                <a:latin typeface="Arial"/>
+              </a:rPr>
+              <a:t> </a:t>
+            </a:r>
+            <a:r>
+              <a:rPr lang="es-ES" sz="1000" i="1" spc="-1" dirty="0" err="1">
+                <a:solidFill>
+                  <a:srgbClr val="CCCCCC"/>
+                </a:solidFill>
+                <a:latin typeface="Arial"/>
+              </a:rPr>
+              <a:t>to</a:t>
+            </a:r>
+            <a:r>
+              <a:rPr lang="es-ES" sz="1000" i="1" spc="-1" dirty="0">
+                <a:solidFill>
+                  <a:srgbClr val="CCCCCC"/>
+                </a:solidFill>
+                <a:latin typeface="Arial"/>
+              </a:rPr>
+              <a:t> </a:t>
+            </a:r>
+            <a:r>
+              <a:rPr lang="es-ES" sz="1000" i="1" spc="-1" dirty="0" err="1">
+                <a:solidFill>
+                  <a:srgbClr val="CCCCCC"/>
+                </a:solidFill>
+                <a:latin typeface="Arial"/>
+              </a:rPr>
+              <a:t>End</a:t>
+            </a:r>
+            <a:r>
+              <a:rPr lang="es-ES" sz="1000" i="1" spc="-1" dirty="0">
+                <a:solidFill>
+                  <a:srgbClr val="CCCCCC"/>
+                </a:solidFill>
+                <a:latin typeface="Arial"/>
+              </a:rPr>
+              <a:t> de Machine </a:t>
+            </a:r>
+            <a:r>
+              <a:rPr lang="es-ES" sz="1000" i="1" spc="-1" dirty="0" err="1">
+                <a:solidFill>
+                  <a:srgbClr val="CCCCCC"/>
+                </a:solidFill>
+                <a:latin typeface="Arial"/>
+              </a:rPr>
+              <a:t>Learning</a:t>
+            </a:r>
+            <a:endParaRPr lang="es-ES" sz="1000" i="1" spc="-1" dirty="0">
+              <a:solidFill>
+                <a:srgbClr val="CCCCCC"/>
+              </a:solidFill>
+              <a:latin typeface="Arial"/>
+            </a:endParaRPr>
+          </a:p>
+          <a:p>
+            <a:pPr marL="457200" indent="-291600">
+              <a:lnSpc>
+                <a:spcPct val="100000"/>
+              </a:lnSpc>
+              <a:buClr>
+                <a:srgbClr val="CCCCCC"/>
+              </a:buClr>
+              <a:buFont typeface="Arial"/>
+              <a:buChar char="-"/>
+              <a:tabLst>
+                <a:tab pos="0" algn="l"/>
+              </a:tabLst>
+            </a:pPr>
+            <a:r>
+              <a:rPr lang="es-ES" sz="1000" i="1" spc="-1" dirty="0">
+                <a:solidFill>
+                  <a:srgbClr val="CCCCCC"/>
+                </a:solidFill>
+                <a:latin typeface="Arial"/>
+              </a:rPr>
+              <a:t>Portfolio: Herramientas para crear una web donde mostrar los proyectos personales y del </a:t>
+            </a:r>
+            <a:r>
+              <a:rPr lang="es-ES" sz="1000" i="1" spc="-1" dirty="0" err="1">
+                <a:solidFill>
+                  <a:srgbClr val="CCCCCC"/>
+                </a:solidFill>
+                <a:latin typeface="Arial"/>
+              </a:rPr>
+              <a:t>bootcamp</a:t>
+            </a:r>
+            <a:r>
+              <a:rPr lang="es-ES" sz="1000" i="1" spc="-1" dirty="0">
+                <a:solidFill>
+                  <a:srgbClr val="CCCCCC"/>
+                </a:solidFill>
+                <a:latin typeface="Arial"/>
+              </a:rPr>
+              <a:t>.</a:t>
+            </a:r>
+          </a:p>
+          <a:p>
+            <a:pPr marL="457200" indent="-291600">
+              <a:lnSpc>
+                <a:spcPct val="100000"/>
+              </a:lnSpc>
+              <a:buClr>
+                <a:srgbClr val="CCCCCC"/>
+              </a:buClr>
+              <a:buFont typeface="Arial"/>
+              <a:buChar char="-"/>
+              <a:tabLst>
+                <a:tab pos="0" algn="l"/>
+              </a:tabLst>
+            </a:pPr>
+            <a:endParaRPr lang="es-ES" sz="1000" b="0" i="1" strike="noStrike" spc="-1" dirty="0">
+              <a:solidFill>
+                <a:srgbClr val="CCCCCC"/>
+              </a:solidFill>
+              <a:latin typeface="Arial"/>
+            </a:endParaRPr>
+          </a:p>
+        </p:txBody>
+      </p:sp>
+      <p:sp>
+        <p:nvSpPr>
+          <p:cNvPr id="42" name="CustomShape 2"/>
+          <p:cNvSpPr/>
+          <p:nvPr/>
+        </p:nvSpPr>
+        <p:spPr>
+          <a:xfrm>
+            <a:off x="4662360" y="340560"/>
+            <a:ext cx="4018320" cy="4574340"/>
+          </a:xfrm>
+          <a:prstGeom prst="rect">
+            <a:avLst/>
+          </a:prstGeom>
+          <a:noFill/>
+          <a:ln w="0">
+            <a:noFill/>
+          </a:ln>
+        </p:spPr>
+        <p:style>
+          <a:lnRef idx="0">
+            <a:scrgbClr r="0" g="0" b="0"/>
+          </a:lnRef>
+          <a:fillRef idx="0">
+            <a:scrgbClr r="0" g="0" b="0"/>
+          </a:fillRef>
+          <a:effectRef idx="0">
+            <a:scrgbClr r="0" g="0" b="0"/>
+          </a:effectRef>
+          <a:fontRef idx="minor"/>
+        </p:style>
+        <p:txBody>
+          <a:bodyPr tIns="91440" bIns="91440">
+            <a:noAutofit/>
+          </a:bodyPr>
+          <a:lstStyle/>
+          <a:p>
+            <a:pPr>
+              <a:lnSpc>
+                <a:spcPct val="100000"/>
+              </a:lnSpc>
+              <a:tabLst>
+                <a:tab pos="0" algn="l"/>
+              </a:tabLst>
+            </a:pPr>
+            <a:r>
+              <a:rPr lang="es" sz="1500" b="0" u="sng" strike="noStrike" spc="-1" dirty="0">
+                <a:solidFill>
+                  <a:srgbClr val="FFFFFF"/>
+                </a:solidFill>
+                <a:uFillTx/>
+                <a:latin typeface="Arial"/>
+                <a:ea typeface="Arial"/>
+              </a:rPr>
+              <a:t>¿Qué hemos aprendido a hacer?</a:t>
+            </a:r>
+            <a:endParaRPr lang="es-ES" sz="1500" b="0" strike="noStrike" spc="-1" dirty="0">
+              <a:latin typeface="Arial"/>
+            </a:endParaRPr>
+          </a:p>
+          <a:p>
+            <a:pPr>
+              <a:lnSpc>
+                <a:spcPct val="100000"/>
+              </a:lnSpc>
+              <a:tabLst>
+                <a:tab pos="0" algn="l"/>
+              </a:tabLst>
+            </a:pPr>
+            <a:endParaRPr lang="es-ES" sz="1000" b="0" strike="noStrike" spc="-1" dirty="0">
+              <a:latin typeface="Arial"/>
+            </a:endParaRPr>
+          </a:p>
+          <a:p>
+            <a:pPr>
+              <a:lnSpc>
+                <a:spcPct val="100000"/>
+              </a:lnSpc>
+              <a:tabLst>
+                <a:tab pos="0" algn="l"/>
+              </a:tabLst>
+            </a:pPr>
+            <a:r>
+              <a:rPr lang="es-ES" sz="1100" b="1" strike="noStrike" spc="-1" dirty="0">
+                <a:solidFill>
+                  <a:srgbClr val="FFFFFF"/>
+                </a:solidFill>
+                <a:latin typeface="Arial"/>
+                <a:ea typeface="Arial"/>
+              </a:rPr>
+              <a:t>Deep </a:t>
+            </a:r>
+            <a:r>
+              <a:rPr lang="es-ES" sz="1100" b="1" strike="noStrike" spc="-1" dirty="0" err="1">
+                <a:solidFill>
+                  <a:srgbClr val="FFFFFF"/>
+                </a:solidFill>
+                <a:latin typeface="Arial"/>
+                <a:ea typeface="Arial"/>
+              </a:rPr>
+              <a:t>Learning</a:t>
+            </a:r>
+            <a:endParaRPr lang="es-ES" sz="1100" b="1" strike="noStrike" spc="-1" dirty="0">
+              <a:solidFill>
+                <a:srgbClr val="FFFFFF"/>
+              </a:solidFill>
+              <a:latin typeface="Arial"/>
+              <a:ea typeface="Arial"/>
+            </a:endParaRPr>
+          </a:p>
+          <a:p>
+            <a:pPr marL="457200" indent="-291600">
+              <a:lnSpc>
+                <a:spcPct val="100000"/>
+              </a:lnSpc>
+              <a:buClr>
+                <a:srgbClr val="CCCCCC"/>
+              </a:buClr>
+              <a:buFont typeface="Arial"/>
+              <a:buChar char="-"/>
+              <a:tabLst>
+                <a:tab pos="0" algn="l"/>
+              </a:tabLst>
+            </a:pPr>
+            <a:r>
+              <a:rPr lang="es" sz="1000" i="1" spc="-1" dirty="0">
+                <a:solidFill>
+                  <a:srgbClr val="CCCCCC"/>
+                </a:solidFill>
+                <a:latin typeface="Arial"/>
+              </a:rPr>
+              <a:t>Cómo utilizar RRNN para datos no estructurados</a:t>
+            </a:r>
+          </a:p>
+          <a:p>
+            <a:pPr marL="457200" indent="-291600">
+              <a:lnSpc>
+                <a:spcPct val="100000"/>
+              </a:lnSpc>
+              <a:buClr>
+                <a:srgbClr val="CCCCCC"/>
+              </a:buClr>
+              <a:buFont typeface="Arial"/>
+              <a:buChar char="-"/>
+              <a:tabLst>
+                <a:tab pos="0" algn="l"/>
+              </a:tabLst>
+            </a:pPr>
+            <a:r>
+              <a:rPr lang="es" sz="1000" b="0" i="1" strike="noStrike" spc="-1" dirty="0">
+                <a:solidFill>
+                  <a:srgbClr val="CCCCCC"/>
+                </a:solidFill>
+                <a:latin typeface="Arial"/>
+              </a:rPr>
+              <a:t>Pre</a:t>
+            </a:r>
+            <a:r>
+              <a:rPr lang="es" sz="1000" i="1" spc="-1" dirty="0">
+                <a:solidFill>
+                  <a:srgbClr val="CCCCCC"/>
+                </a:solidFill>
+                <a:latin typeface="Arial"/>
+              </a:rPr>
+              <a:t>dicción de imágenes mediante RRNN Convolucionales</a:t>
+            </a:r>
+          </a:p>
+          <a:p>
+            <a:pPr marL="165600">
+              <a:lnSpc>
+                <a:spcPct val="100000"/>
+              </a:lnSpc>
+              <a:buClr>
+                <a:srgbClr val="CCCCCC"/>
+              </a:buClr>
+              <a:tabLst>
+                <a:tab pos="0" algn="l"/>
+              </a:tabLst>
+            </a:pPr>
+            <a:endParaRPr lang="es" sz="1000" i="1" spc="-1" dirty="0">
+              <a:solidFill>
+                <a:srgbClr val="CCCCCC"/>
+              </a:solidFill>
+              <a:latin typeface="Arial"/>
+            </a:endParaRPr>
+          </a:p>
+          <a:p>
+            <a:pPr marL="165600">
+              <a:lnSpc>
+                <a:spcPct val="100000"/>
+              </a:lnSpc>
+              <a:buClr>
+                <a:srgbClr val="CCCCCC"/>
+              </a:buClr>
+              <a:tabLst>
+                <a:tab pos="0" algn="l"/>
+              </a:tabLst>
+            </a:pPr>
+            <a:endParaRPr lang="es" sz="1000" i="1" spc="-1" dirty="0">
+              <a:solidFill>
+                <a:srgbClr val="CCCCCC"/>
+              </a:solidFill>
+              <a:latin typeface="Arial"/>
+            </a:endParaRPr>
+          </a:p>
+          <a:p>
+            <a:pPr marL="165600">
+              <a:lnSpc>
+                <a:spcPct val="100000"/>
+              </a:lnSpc>
+              <a:buClr>
+                <a:srgbClr val="CCCCCC"/>
+              </a:buClr>
+              <a:tabLst>
+                <a:tab pos="0" algn="l"/>
+              </a:tabLst>
+            </a:pPr>
+            <a:endParaRPr lang="es" sz="1000" i="1" spc="-1" dirty="0">
+              <a:solidFill>
+                <a:srgbClr val="CCCCCC"/>
+              </a:solidFill>
+              <a:latin typeface="Arial"/>
+            </a:endParaRPr>
+          </a:p>
+          <a:p>
+            <a:pPr>
+              <a:lnSpc>
+                <a:spcPct val="100000"/>
+              </a:lnSpc>
+              <a:tabLst>
+                <a:tab pos="0" algn="l"/>
+              </a:tabLst>
+            </a:pPr>
+            <a:r>
+              <a:rPr lang="es-ES" sz="1100" b="1" strike="noStrike" spc="-1" dirty="0">
+                <a:solidFill>
+                  <a:srgbClr val="FFFFFF"/>
+                </a:solidFill>
+                <a:latin typeface="Arial"/>
+                <a:ea typeface="Arial"/>
+              </a:rPr>
+              <a:t>Otros</a:t>
+            </a:r>
+          </a:p>
+          <a:p>
+            <a:pPr marL="457200" indent="-291600">
+              <a:lnSpc>
+                <a:spcPct val="100000"/>
+              </a:lnSpc>
+              <a:buClr>
+                <a:srgbClr val="CCCCCC"/>
+              </a:buClr>
+              <a:buFont typeface="Arial"/>
+              <a:buChar char="-"/>
+              <a:tabLst>
+                <a:tab pos="0" algn="l"/>
+              </a:tabLst>
+            </a:pPr>
+            <a:r>
+              <a:rPr lang="es" sz="1000" i="1" spc="-1" dirty="0">
+                <a:solidFill>
+                  <a:srgbClr val="CCCCCC"/>
+                </a:solidFill>
+                <a:latin typeface="Arial"/>
+              </a:rPr>
+              <a:t>Diseño de un pipeline de operaciones en un proyecto de Machine Learning. Roles de cada etapa. Planteamientos iniciales</a:t>
+            </a:r>
+          </a:p>
+          <a:p>
+            <a:pPr marL="457200" indent="-291600">
+              <a:lnSpc>
+                <a:spcPct val="100000"/>
+              </a:lnSpc>
+              <a:buClr>
+                <a:srgbClr val="CCCCCC"/>
+              </a:buClr>
+              <a:buFont typeface="Arial"/>
+              <a:buChar char="-"/>
+              <a:tabLst>
+                <a:tab pos="0" algn="l"/>
+              </a:tabLst>
+            </a:pPr>
+            <a:r>
+              <a:rPr lang="es-ES" sz="1000" b="0" i="1" strike="noStrike" spc="-1" dirty="0">
+                <a:solidFill>
+                  <a:srgbClr val="CCCCCC"/>
+                </a:solidFill>
+                <a:latin typeface="Arial"/>
+              </a:rPr>
+              <a:t>Implementación de webs en poco tiempo y sin conocimiento previo en desarrollo web, de cara a alojar un blog/portfolio.</a:t>
+            </a:r>
+            <a:endParaRPr lang="es-ES" sz="1000" b="0" strike="noStrike" spc="-1" dirty="0">
+              <a:latin typeface="Arial"/>
+            </a:endParaRPr>
+          </a:p>
+          <a:p>
+            <a:pPr marL="457200" indent="-291600">
+              <a:lnSpc>
+                <a:spcPct val="100000"/>
+              </a:lnSpc>
+              <a:buClr>
+                <a:srgbClr val="CCCCCC"/>
+              </a:buClr>
+              <a:buFont typeface="Arial"/>
+              <a:buChar char="-"/>
+              <a:tabLst>
+                <a:tab pos="0" algn="l"/>
+              </a:tabLst>
+            </a:pPr>
+            <a:endParaRPr lang="es-ES" sz="1000" b="0" strike="noStrike" spc="-1" dirty="0">
+              <a:latin typeface="Arial"/>
+            </a:endParaRPr>
+          </a:p>
+        </p:txBody>
+      </p:sp>
+    </p:spTree>
+    <p:extLst>
+      <p:ext uri="{BB962C8B-B14F-4D97-AF65-F5344CB8AC3E}">
+        <p14:creationId xmlns:p14="http://schemas.microsoft.com/office/powerpoint/2010/main" val="2108457525"/>
+      </p:ext>
+    </p:extLst>
+  </p:cSld>
+  <p:clrMapOvr>
+    <a:masterClrMapping/>
+  </p:clrMapOvr>
+</p:sld>
+</file>
+
+<file path=ppt/slides/slide9.xml><?xml version="1.0" encoding="utf-8"?>
 <p:sld xmlns:a="http://schemas.openxmlformats.org/drawingml/2006/main" xmlns:r="http://schemas.openxmlformats.org/officeDocument/2006/relationships" xmlns:p="http://schemas.openxmlformats.org/presentationml/2006/main">
   <p:cSld>
     <p:spTree>
@@ -8271,7 +9819,7 @@
         </p:nvSpPr>
         <p:spPr>
           <a:xfrm>
-            <a:off x="717840" y="2663269"/>
+            <a:off x="717840" y="2690651"/>
             <a:ext cx="3633120" cy="2062243"/>
           </a:xfrm>
           <a:prstGeom prst="rect">
@@ -8631,6 +10179,675 @@
                 <a:tab pos="0" algn="l"/>
               </a:tabLst>
             </a:pPr>
+            <a:endParaRPr lang="es-ES" sz="1000" b="0" strike="noStrike" spc="-1" dirty="0">
+              <a:latin typeface="Arial"/>
+            </a:endParaRPr>
+          </a:p>
+        </p:txBody>
+      </p:sp>
+      <p:sp>
+        <p:nvSpPr>
+          <p:cNvPr id="5" name="CustomShape 1">
+            <a:extLst>
+              <a:ext uri="{FF2B5EF4-FFF2-40B4-BE49-F238E27FC236}">
+                <a16:creationId xmlns:a16="http://schemas.microsoft.com/office/drawing/2014/main" id="{7CBFE4D5-F4BD-440E-B7CD-F1544121A040}"/>
+              </a:ext>
+            </a:extLst>
+          </p:cNvPr>
+          <p:cNvSpPr/>
+          <p:nvPr/>
+        </p:nvSpPr>
+        <p:spPr>
+          <a:xfrm>
+            <a:off x="4350960" y="417988"/>
+            <a:ext cx="3633120" cy="2062243"/>
+          </a:xfrm>
+          <a:prstGeom prst="rect">
+            <a:avLst/>
+          </a:prstGeom>
+          <a:noFill/>
+          <a:ln w="0">
+            <a:noFill/>
+          </a:ln>
+        </p:spPr>
+        <p:style>
+          <a:lnRef idx="0">
+            <a:scrgbClr r="0" g="0" b="0"/>
+          </a:lnRef>
+          <a:fillRef idx="0">
+            <a:scrgbClr r="0" g="0" b="0"/>
+          </a:fillRef>
+          <a:effectRef idx="0">
+            <a:scrgbClr r="0" g="0" b="0"/>
+          </a:effectRef>
+          <a:fontRef idx="minor"/>
+        </p:style>
+        <p:txBody>
+          <a:bodyPr tIns="91440" bIns="91440">
+            <a:noAutofit/>
+          </a:bodyPr>
+          <a:lstStyle/>
+          <a:p>
+            <a:pPr>
+              <a:lnSpc>
+                <a:spcPct val="100000"/>
+              </a:lnSpc>
+              <a:tabLst>
+                <a:tab pos="0" algn="l"/>
+              </a:tabLst>
+            </a:pPr>
+            <a:r>
+              <a:rPr lang="es-ES" sz="1500" b="0" u="sng" strike="noStrike" spc="-1" dirty="0">
+                <a:solidFill>
+                  <a:srgbClr val="FFFFFF"/>
+                </a:solidFill>
+                <a:uFillTx/>
+                <a:latin typeface="Arial"/>
+                <a:ea typeface="Arial"/>
+              </a:rPr>
+              <a:t>Modelos No Supervisados</a:t>
+            </a:r>
+            <a:endParaRPr lang="es-ES" sz="1500" b="0" i="1" strike="noStrike" spc="-1" dirty="0">
+              <a:latin typeface="Arial"/>
+            </a:endParaRPr>
+          </a:p>
+          <a:p>
+            <a:pPr>
+              <a:lnSpc>
+                <a:spcPct val="100000"/>
+              </a:lnSpc>
+              <a:tabLst>
+                <a:tab pos="0" algn="l"/>
+              </a:tabLst>
+            </a:pPr>
+            <a:endParaRPr lang="es-ES" sz="1000" b="0" strike="noStrike" spc="-1" dirty="0">
+              <a:latin typeface="Arial"/>
+            </a:endParaRPr>
+          </a:p>
+          <a:p>
+            <a:pPr marL="457200" indent="-291600">
+              <a:lnSpc>
+                <a:spcPct val="100000"/>
+              </a:lnSpc>
+              <a:buClr>
+                <a:srgbClr val="CCCCCC"/>
+              </a:buClr>
+              <a:buFont typeface="Arial"/>
+              <a:buChar char="-"/>
+              <a:tabLst>
+                <a:tab pos="0" algn="l"/>
+              </a:tabLst>
+            </a:pPr>
+            <a:r>
+              <a:rPr lang="es-ES" sz="1000" i="1" spc="-1" dirty="0">
+                <a:solidFill>
+                  <a:srgbClr val="CCCCCC"/>
+                </a:solidFill>
+                <a:latin typeface="Arial"/>
+              </a:rPr>
+              <a:t>Kmeans</a:t>
+            </a:r>
+          </a:p>
+          <a:p>
+            <a:pPr marL="457200" indent="-291600">
+              <a:lnSpc>
+                <a:spcPct val="100000"/>
+              </a:lnSpc>
+              <a:buClr>
+                <a:srgbClr val="CCCCCC"/>
+              </a:buClr>
+              <a:buFont typeface="Arial"/>
+              <a:buChar char="-"/>
+              <a:tabLst>
+                <a:tab pos="0" algn="l"/>
+              </a:tabLst>
+            </a:pPr>
+            <a:r>
+              <a:rPr lang="es-ES" sz="1000" i="1" spc="-1" dirty="0">
+                <a:solidFill>
+                  <a:srgbClr val="CCCCCC"/>
+                </a:solidFill>
+                <a:latin typeface="Arial"/>
+              </a:rPr>
+              <a:t>DBSCAN</a:t>
+            </a:r>
+          </a:p>
+          <a:p>
+            <a:pPr marL="457200" indent="-291600">
+              <a:lnSpc>
+                <a:spcPct val="100000"/>
+              </a:lnSpc>
+              <a:buClr>
+                <a:srgbClr val="CCCCCC"/>
+              </a:buClr>
+              <a:buFont typeface="Arial"/>
+              <a:buChar char="-"/>
+              <a:tabLst>
+                <a:tab pos="0" algn="l"/>
+              </a:tabLst>
+            </a:pPr>
+            <a:r>
+              <a:rPr lang="es-ES" sz="1000" i="1" spc="-1" dirty="0">
+                <a:solidFill>
+                  <a:srgbClr val="CCCCCC"/>
+                </a:solidFill>
+                <a:latin typeface="Arial"/>
+              </a:rPr>
+              <a:t>PCA</a:t>
+            </a:r>
+          </a:p>
+          <a:p>
+            <a:pPr marL="457200" indent="-291600">
+              <a:lnSpc>
+                <a:spcPct val="100000"/>
+              </a:lnSpc>
+              <a:buClr>
+                <a:srgbClr val="CCCCCC"/>
+              </a:buClr>
+              <a:buFont typeface="Arial"/>
+              <a:buChar char="-"/>
+              <a:tabLst>
+                <a:tab pos="0" algn="l"/>
+              </a:tabLst>
+            </a:pPr>
+            <a:r>
+              <a:rPr lang="es-ES" sz="1000" i="1" spc="-1" dirty="0" err="1">
+                <a:solidFill>
+                  <a:srgbClr val="CCCCCC"/>
+                </a:solidFill>
+                <a:latin typeface="Arial"/>
+              </a:rPr>
+              <a:t>Feature</a:t>
+            </a:r>
+            <a:r>
+              <a:rPr lang="es-ES" sz="1000" i="1" spc="-1" dirty="0">
+                <a:solidFill>
+                  <a:srgbClr val="CCCCCC"/>
+                </a:solidFill>
+                <a:latin typeface="Arial"/>
+              </a:rPr>
+              <a:t> </a:t>
+            </a:r>
+            <a:r>
+              <a:rPr lang="es-ES" sz="1000" i="1" spc="-1" dirty="0" err="1">
+                <a:solidFill>
+                  <a:srgbClr val="CCCCCC"/>
+                </a:solidFill>
+                <a:latin typeface="Arial"/>
+              </a:rPr>
+              <a:t>selection</a:t>
+            </a:r>
+            <a:endParaRPr lang="es" sz="1000" i="1" spc="-1" dirty="0">
+              <a:solidFill>
+                <a:srgbClr val="CCCCCC"/>
+              </a:solidFill>
+              <a:latin typeface="Arial"/>
+            </a:endParaRPr>
+          </a:p>
+          <a:p>
+            <a:pPr marL="165600">
+              <a:lnSpc>
+                <a:spcPct val="100000"/>
+              </a:lnSpc>
+              <a:buClr>
+                <a:srgbClr val="CCCCCC"/>
+              </a:buClr>
+              <a:tabLst>
+                <a:tab pos="0" algn="l"/>
+              </a:tabLst>
+            </a:pPr>
+            <a:endParaRPr lang="es-ES" sz="1000" b="0" strike="noStrike" spc="-1" dirty="0">
+              <a:latin typeface="Arial"/>
+            </a:endParaRPr>
+          </a:p>
+          <a:p>
+            <a:pPr>
+              <a:lnSpc>
+                <a:spcPct val="100000"/>
+              </a:lnSpc>
+              <a:tabLst>
+                <a:tab pos="0" algn="l"/>
+              </a:tabLst>
+            </a:pPr>
+            <a:endParaRPr lang="es-ES" sz="1000" b="0" strike="noStrike" spc="-1" dirty="0">
+              <a:latin typeface="Arial"/>
+            </a:endParaRPr>
+          </a:p>
+        </p:txBody>
+      </p:sp>
+      <p:sp>
+        <p:nvSpPr>
+          <p:cNvPr id="7" name="CustomShape 1">
+            <a:extLst>
+              <a:ext uri="{FF2B5EF4-FFF2-40B4-BE49-F238E27FC236}">
+                <a16:creationId xmlns:a16="http://schemas.microsoft.com/office/drawing/2014/main" id="{3BC1CB7D-559E-4D5C-8613-275DA6B139F0}"/>
+              </a:ext>
+            </a:extLst>
+          </p:cNvPr>
+          <p:cNvSpPr/>
+          <p:nvPr/>
+        </p:nvSpPr>
+        <p:spPr>
+          <a:xfrm>
+            <a:off x="4350960" y="1706124"/>
+            <a:ext cx="3633120" cy="1703070"/>
+          </a:xfrm>
+          <a:prstGeom prst="rect">
+            <a:avLst/>
+          </a:prstGeom>
+          <a:noFill/>
+          <a:ln w="0">
+            <a:noFill/>
+          </a:ln>
+        </p:spPr>
+        <p:style>
+          <a:lnRef idx="0">
+            <a:scrgbClr r="0" g="0" b="0"/>
+          </a:lnRef>
+          <a:fillRef idx="0">
+            <a:scrgbClr r="0" g="0" b="0"/>
+          </a:fillRef>
+          <a:effectRef idx="0">
+            <a:scrgbClr r="0" g="0" b="0"/>
+          </a:effectRef>
+          <a:fontRef idx="minor"/>
+        </p:style>
+        <p:txBody>
+          <a:bodyPr tIns="91440" bIns="91440">
+            <a:noAutofit/>
+          </a:bodyPr>
+          <a:lstStyle/>
+          <a:p>
+            <a:pPr>
+              <a:lnSpc>
+                <a:spcPct val="100000"/>
+              </a:lnSpc>
+              <a:tabLst>
+                <a:tab pos="0" algn="l"/>
+              </a:tabLst>
+            </a:pPr>
+            <a:r>
+              <a:rPr lang="es-ES" sz="1500" i="1" u="sng" spc="-1" dirty="0">
+                <a:solidFill>
+                  <a:srgbClr val="FFFFFF"/>
+                </a:solidFill>
+                <a:latin typeface="Arial"/>
+              </a:rPr>
+              <a:t>Redes Neuronales</a:t>
+            </a:r>
+            <a:endParaRPr lang="es-ES" sz="1500" b="0" i="1" strike="noStrike" spc="-1" dirty="0">
+              <a:latin typeface="Arial"/>
+            </a:endParaRPr>
+          </a:p>
+          <a:p>
+            <a:pPr>
+              <a:lnSpc>
+                <a:spcPct val="100000"/>
+              </a:lnSpc>
+              <a:tabLst>
+                <a:tab pos="0" algn="l"/>
+              </a:tabLst>
+            </a:pPr>
+            <a:endParaRPr lang="es-ES" sz="1000" b="0" strike="noStrike" spc="-1" dirty="0">
+              <a:latin typeface="Arial"/>
+            </a:endParaRPr>
+          </a:p>
+          <a:p>
+            <a:pPr marL="457200" indent="-291600">
+              <a:lnSpc>
+                <a:spcPct val="100000"/>
+              </a:lnSpc>
+              <a:buClr>
+                <a:srgbClr val="CCCCCC"/>
+              </a:buClr>
+              <a:buFont typeface="Arial"/>
+              <a:buChar char="-"/>
+              <a:tabLst>
+                <a:tab pos="0" algn="l"/>
+              </a:tabLst>
+            </a:pPr>
+            <a:r>
+              <a:rPr lang="es-ES" sz="1000" i="1" spc="-1" dirty="0">
+                <a:solidFill>
+                  <a:srgbClr val="CCCCCC"/>
+                </a:solidFill>
+                <a:latin typeface="Arial"/>
+              </a:rPr>
+              <a:t>Datos estructurados:</a:t>
+            </a:r>
+          </a:p>
+          <a:p>
+            <a:pPr marL="914400" lvl="1" indent="-291600">
+              <a:buClr>
+                <a:srgbClr val="CCCCCC"/>
+              </a:buClr>
+              <a:buFont typeface="Arial"/>
+              <a:buChar char="-"/>
+              <a:tabLst>
+                <a:tab pos="0" algn="l"/>
+              </a:tabLst>
+            </a:pPr>
+            <a:r>
+              <a:rPr lang="es-ES" sz="1000" i="1" spc="-1" dirty="0">
+                <a:solidFill>
+                  <a:srgbClr val="CCCCCC"/>
+                </a:solidFill>
+                <a:latin typeface="Arial"/>
+              </a:rPr>
+              <a:t>Clasificación binaria y multiclase</a:t>
+            </a:r>
+          </a:p>
+          <a:p>
+            <a:pPr marL="914400" lvl="1" indent="-291600">
+              <a:buClr>
+                <a:srgbClr val="CCCCCC"/>
+              </a:buClr>
+              <a:buFont typeface="Arial"/>
+              <a:buChar char="-"/>
+              <a:tabLst>
+                <a:tab pos="0" algn="l"/>
+              </a:tabLst>
+            </a:pPr>
+            <a:r>
+              <a:rPr lang="es-ES" sz="1000" i="1" spc="-1" dirty="0">
+                <a:solidFill>
+                  <a:srgbClr val="CCCCCC"/>
+                </a:solidFill>
+                <a:latin typeface="Arial"/>
+              </a:rPr>
+              <a:t>Regresión</a:t>
+            </a:r>
+          </a:p>
+          <a:p>
+            <a:pPr marL="457200" indent="-291600">
+              <a:lnSpc>
+                <a:spcPct val="100000"/>
+              </a:lnSpc>
+              <a:buClr>
+                <a:srgbClr val="CCCCCC"/>
+              </a:buClr>
+              <a:buFont typeface="Arial"/>
+              <a:buChar char="-"/>
+              <a:tabLst>
+                <a:tab pos="0" algn="l"/>
+              </a:tabLst>
+            </a:pPr>
+            <a:r>
+              <a:rPr lang="es-ES" sz="1000" i="1" spc="-1" dirty="0">
+                <a:solidFill>
+                  <a:srgbClr val="CCCCCC"/>
+                </a:solidFill>
+                <a:latin typeface="Arial"/>
+              </a:rPr>
+              <a:t>Datos no estructurados</a:t>
+            </a:r>
+          </a:p>
+          <a:p>
+            <a:pPr marL="914400" lvl="1" indent="-291600">
+              <a:buClr>
+                <a:srgbClr val="CCCCCC"/>
+              </a:buClr>
+              <a:buFont typeface="Arial"/>
+              <a:buChar char="-"/>
+              <a:tabLst>
+                <a:tab pos="0" algn="l"/>
+              </a:tabLst>
+            </a:pPr>
+            <a:r>
+              <a:rPr lang="es-ES" sz="1000" i="1" spc="-1" dirty="0">
+                <a:solidFill>
+                  <a:srgbClr val="CCCCCC"/>
+                </a:solidFill>
+                <a:latin typeface="Arial"/>
+              </a:rPr>
+              <a:t>Redes convolucionales para imágenes</a:t>
+            </a:r>
+          </a:p>
+          <a:p>
+            <a:pPr marL="914400" lvl="1" indent="-291600">
+              <a:buClr>
+                <a:srgbClr val="CCCCCC"/>
+              </a:buClr>
+              <a:buFont typeface="Arial"/>
+              <a:buChar char="-"/>
+              <a:tabLst>
+                <a:tab pos="0" algn="l"/>
+              </a:tabLst>
+            </a:pPr>
+            <a:r>
+              <a:rPr lang="es-ES" sz="1000" i="1" spc="-1" dirty="0">
+                <a:solidFill>
+                  <a:srgbClr val="CCCCCC"/>
+                </a:solidFill>
+                <a:latin typeface="Arial"/>
+              </a:rPr>
+              <a:t>Embeddings</a:t>
+            </a:r>
+          </a:p>
+          <a:p>
+            <a:pPr marL="914400" lvl="1" indent="-291600">
+              <a:buClr>
+                <a:srgbClr val="CCCCCC"/>
+              </a:buClr>
+              <a:buFont typeface="Arial"/>
+              <a:buChar char="-"/>
+              <a:tabLst>
+                <a:tab pos="0" algn="l"/>
+              </a:tabLst>
+            </a:pPr>
+            <a:r>
+              <a:rPr lang="es-ES" sz="1000" i="1" spc="-1" dirty="0">
+                <a:solidFill>
+                  <a:srgbClr val="CCCCCC"/>
+                </a:solidFill>
+                <a:latin typeface="Arial"/>
+              </a:rPr>
+              <a:t>Series temporales con LSTM</a:t>
+            </a:r>
+          </a:p>
+          <a:p>
+            <a:pPr marL="165600">
+              <a:lnSpc>
+                <a:spcPct val="100000"/>
+              </a:lnSpc>
+              <a:buClr>
+                <a:srgbClr val="CCCCCC"/>
+              </a:buClr>
+              <a:tabLst>
+                <a:tab pos="0" algn="l"/>
+              </a:tabLst>
+            </a:pPr>
+            <a:endParaRPr lang="es-ES" sz="1000" b="0" strike="noStrike" spc="-1" dirty="0">
+              <a:latin typeface="Arial"/>
+            </a:endParaRPr>
+          </a:p>
+          <a:p>
+            <a:pPr>
+              <a:lnSpc>
+                <a:spcPct val="100000"/>
+              </a:lnSpc>
+              <a:tabLst>
+                <a:tab pos="0" algn="l"/>
+              </a:tabLst>
+            </a:pPr>
+            <a:endParaRPr lang="es-ES" sz="1000" b="0" strike="noStrike" spc="-1" dirty="0">
+              <a:latin typeface="Arial"/>
+            </a:endParaRPr>
+          </a:p>
+        </p:txBody>
+      </p:sp>
+      <p:sp>
+        <p:nvSpPr>
+          <p:cNvPr id="8" name="CustomShape 1">
+            <a:extLst>
+              <a:ext uri="{FF2B5EF4-FFF2-40B4-BE49-F238E27FC236}">
+                <a16:creationId xmlns:a16="http://schemas.microsoft.com/office/drawing/2014/main" id="{8C57BBD1-A803-412C-986F-9D25044697A7}"/>
+              </a:ext>
+            </a:extLst>
+          </p:cNvPr>
+          <p:cNvSpPr/>
+          <p:nvPr/>
+        </p:nvSpPr>
+        <p:spPr>
+          <a:xfrm>
+            <a:off x="4350960" y="3409194"/>
+            <a:ext cx="3633120" cy="1343700"/>
+          </a:xfrm>
+          <a:prstGeom prst="rect">
+            <a:avLst/>
+          </a:prstGeom>
+          <a:noFill/>
+          <a:ln w="0">
+            <a:noFill/>
+          </a:ln>
+        </p:spPr>
+        <p:style>
+          <a:lnRef idx="0">
+            <a:scrgbClr r="0" g="0" b="0"/>
+          </a:lnRef>
+          <a:fillRef idx="0">
+            <a:scrgbClr r="0" g="0" b="0"/>
+          </a:fillRef>
+          <a:effectRef idx="0">
+            <a:scrgbClr r="0" g="0" b="0"/>
+          </a:effectRef>
+          <a:fontRef idx="minor"/>
+        </p:style>
+        <p:txBody>
+          <a:bodyPr tIns="91440" bIns="91440">
+            <a:noAutofit/>
+          </a:bodyPr>
+          <a:lstStyle/>
+          <a:p>
+            <a:pPr>
+              <a:lnSpc>
+                <a:spcPct val="100000"/>
+              </a:lnSpc>
+              <a:tabLst>
+                <a:tab pos="0" algn="l"/>
+              </a:tabLst>
+            </a:pPr>
+            <a:r>
+              <a:rPr lang="es-ES" sz="1500" i="1" u="sng" spc="-1" dirty="0">
+                <a:solidFill>
+                  <a:srgbClr val="FFFFFF"/>
+                </a:solidFill>
+                <a:latin typeface="Arial"/>
+              </a:rPr>
+              <a:t>Time Series</a:t>
+            </a:r>
+            <a:endParaRPr lang="es-ES" sz="1500" b="0" i="1" strike="noStrike" spc="-1" dirty="0">
+              <a:latin typeface="Arial"/>
+            </a:endParaRPr>
+          </a:p>
+          <a:p>
+            <a:pPr>
+              <a:lnSpc>
+                <a:spcPct val="100000"/>
+              </a:lnSpc>
+              <a:tabLst>
+                <a:tab pos="0" algn="l"/>
+              </a:tabLst>
+            </a:pPr>
+            <a:endParaRPr lang="es-ES" sz="1000" b="0" strike="noStrike" spc="-1" dirty="0">
+              <a:latin typeface="Arial"/>
+            </a:endParaRPr>
+          </a:p>
+          <a:p>
+            <a:pPr marL="457200" indent="-291600">
+              <a:lnSpc>
+                <a:spcPct val="100000"/>
+              </a:lnSpc>
+              <a:buClr>
+                <a:srgbClr val="CCCCCC"/>
+              </a:buClr>
+              <a:buFont typeface="Arial"/>
+              <a:buChar char="-"/>
+              <a:tabLst>
+                <a:tab pos="0" algn="l"/>
+              </a:tabLst>
+            </a:pPr>
+            <a:r>
+              <a:rPr lang="es-ES" sz="1000" i="1" spc="-1" dirty="0">
+                <a:solidFill>
+                  <a:srgbClr val="CCCCCC"/>
+                </a:solidFill>
+                <a:latin typeface="Arial"/>
+              </a:rPr>
+              <a:t>AR, MA</a:t>
+            </a:r>
+          </a:p>
+          <a:p>
+            <a:pPr marL="457200" indent="-291600">
+              <a:lnSpc>
+                <a:spcPct val="100000"/>
+              </a:lnSpc>
+              <a:buClr>
+                <a:srgbClr val="CCCCCC"/>
+              </a:buClr>
+              <a:buFont typeface="Arial"/>
+              <a:buChar char="-"/>
+              <a:tabLst>
+                <a:tab pos="0" algn="l"/>
+              </a:tabLst>
+            </a:pPr>
+            <a:r>
+              <a:rPr lang="es-ES" sz="1000" i="1" spc="-1" dirty="0">
+                <a:solidFill>
+                  <a:srgbClr val="CCCCCC"/>
+                </a:solidFill>
+                <a:latin typeface="Arial"/>
+              </a:rPr>
+              <a:t>ARIMA</a:t>
+            </a:r>
+          </a:p>
+          <a:p>
+            <a:pPr marL="457200" indent="-291600">
+              <a:lnSpc>
+                <a:spcPct val="100000"/>
+              </a:lnSpc>
+              <a:buClr>
+                <a:srgbClr val="CCCCCC"/>
+              </a:buClr>
+              <a:buFont typeface="Arial"/>
+              <a:buChar char="-"/>
+              <a:tabLst>
+                <a:tab pos="0" algn="l"/>
+              </a:tabLst>
+            </a:pPr>
+            <a:r>
+              <a:rPr lang="es-ES" sz="1000" b="0" i="1" strike="noStrike" spc="-1" dirty="0">
+                <a:solidFill>
+                  <a:srgbClr val="CCCCCC"/>
+                </a:solidFill>
+                <a:latin typeface="Arial"/>
+              </a:rPr>
+              <a:t>Algoritmos no regresivos</a:t>
+            </a:r>
+          </a:p>
+          <a:p>
+            <a:pPr marL="457200" indent="-291600">
+              <a:lnSpc>
+                <a:spcPct val="100000"/>
+              </a:lnSpc>
+              <a:buClr>
+                <a:srgbClr val="CCCCCC"/>
+              </a:buClr>
+              <a:buFont typeface="Arial"/>
+              <a:buChar char="-"/>
+              <a:tabLst>
+                <a:tab pos="0" algn="l"/>
+              </a:tabLst>
+            </a:pPr>
+            <a:r>
+              <a:rPr lang="es-ES" sz="1000" i="1" spc="-1" dirty="0">
+                <a:solidFill>
+                  <a:srgbClr val="CCCCCC"/>
+                </a:solidFill>
+                <a:latin typeface="Arial"/>
+              </a:rPr>
+              <a:t>LSTM</a:t>
+            </a:r>
             <a:endParaRPr lang="es-ES" sz="1000" b="0" strike="noStrike" spc="-1" dirty="0">
               <a:latin typeface="Arial"/>
             </a:endParaRPr>
